--- a/doc/talk.pptx
+++ b/doc/talk.pptx
@@ -18,6 +18,10 @@
     <p:sldId id="265" r:id="rId12"/>
     <p:sldId id="266" r:id="rId13"/>
     <p:sldId id="267" r:id="rId14"/>
+    <p:sldId id="269" r:id="rId15"/>
+    <p:sldId id="270" r:id="rId16"/>
+    <p:sldId id="271" r:id="rId17"/>
+    <p:sldId id="272" r:id="rId18"/>
   </p:sldIdLst>
   <p:sldSz cx="12192000" cy="6858000"/>
   <p:notesSz cx="6858000" cy="9144000"/>
@@ -116,6 +120,11 @@
       </a:defRPr>
     </a:lvl9pPr>
   </p:defaultTextStyle>
+  <p:extLst>
+    <p:ext uri="{EFAFB233-063F-42B5-8137-9DF3F51BA10A}">
+      <p15:sldGuideLst xmlns:p15="http://schemas.microsoft.com/office/powerpoint/2012/main"/>
+    </p:ext>
+  </p:extLst>
 </p:presentation>
 </file>
 
@@ -266,7 +275,7 @@
           <a:p>
             <a:fld id="{011911AC-1C3E-2447-89CA-EF94E8A5EC2C}" type="datetimeFigureOut">
               <a:rPr kumimoji="1" lang="zh-CN" altLang="en-US" smtClean="0"/>
-              <a:t>2019/12/12</a:t>
+              <a:t>2019/12/13</a:t>
             </a:fld>
             <a:endParaRPr kumimoji="1" lang="zh-CN" altLang="en-US"/>
           </a:p>
@@ -464,7 +473,7 @@
           <a:p>
             <a:fld id="{011911AC-1C3E-2447-89CA-EF94E8A5EC2C}" type="datetimeFigureOut">
               <a:rPr kumimoji="1" lang="zh-CN" altLang="en-US" smtClean="0"/>
-              <a:t>2019/12/12</a:t>
+              <a:t>2019/12/13</a:t>
             </a:fld>
             <a:endParaRPr kumimoji="1" lang="zh-CN" altLang="en-US"/>
           </a:p>
@@ -672,7 +681,7 @@
           <a:p>
             <a:fld id="{011911AC-1C3E-2447-89CA-EF94E8A5EC2C}" type="datetimeFigureOut">
               <a:rPr kumimoji="1" lang="zh-CN" altLang="en-US" smtClean="0"/>
-              <a:t>2019/12/12</a:t>
+              <a:t>2019/12/13</a:t>
             </a:fld>
             <a:endParaRPr kumimoji="1" lang="zh-CN" altLang="en-US"/>
           </a:p>
@@ -870,7 +879,7 @@
           <a:p>
             <a:fld id="{011911AC-1C3E-2447-89CA-EF94E8A5EC2C}" type="datetimeFigureOut">
               <a:rPr kumimoji="1" lang="zh-CN" altLang="en-US" smtClean="0"/>
-              <a:t>2019/12/12</a:t>
+              <a:t>2019/12/13</a:t>
             </a:fld>
             <a:endParaRPr kumimoji="1" lang="zh-CN" altLang="en-US"/>
           </a:p>
@@ -1145,7 +1154,7 @@
           <a:p>
             <a:fld id="{011911AC-1C3E-2447-89CA-EF94E8A5EC2C}" type="datetimeFigureOut">
               <a:rPr kumimoji="1" lang="zh-CN" altLang="en-US" smtClean="0"/>
-              <a:t>2019/12/12</a:t>
+              <a:t>2019/12/13</a:t>
             </a:fld>
             <a:endParaRPr kumimoji="1" lang="zh-CN" altLang="en-US"/>
           </a:p>
@@ -1410,7 +1419,7 @@
           <a:p>
             <a:fld id="{011911AC-1C3E-2447-89CA-EF94E8A5EC2C}" type="datetimeFigureOut">
               <a:rPr kumimoji="1" lang="zh-CN" altLang="en-US" smtClean="0"/>
-              <a:t>2019/12/12</a:t>
+              <a:t>2019/12/13</a:t>
             </a:fld>
             <a:endParaRPr kumimoji="1" lang="zh-CN" altLang="en-US"/>
           </a:p>
@@ -1822,7 +1831,7 @@
           <a:p>
             <a:fld id="{011911AC-1C3E-2447-89CA-EF94E8A5EC2C}" type="datetimeFigureOut">
               <a:rPr kumimoji="1" lang="zh-CN" altLang="en-US" smtClean="0"/>
-              <a:t>2019/12/12</a:t>
+              <a:t>2019/12/13</a:t>
             </a:fld>
             <a:endParaRPr kumimoji="1" lang="zh-CN" altLang="en-US"/>
           </a:p>
@@ -1963,7 +1972,7 @@
           <a:p>
             <a:fld id="{011911AC-1C3E-2447-89CA-EF94E8A5EC2C}" type="datetimeFigureOut">
               <a:rPr kumimoji="1" lang="zh-CN" altLang="en-US" smtClean="0"/>
-              <a:t>2019/12/12</a:t>
+              <a:t>2019/12/13</a:t>
             </a:fld>
             <a:endParaRPr kumimoji="1" lang="zh-CN" altLang="en-US"/>
           </a:p>
@@ -2076,7 +2085,7 @@
           <a:p>
             <a:fld id="{011911AC-1C3E-2447-89CA-EF94E8A5EC2C}" type="datetimeFigureOut">
               <a:rPr kumimoji="1" lang="zh-CN" altLang="en-US" smtClean="0"/>
-              <a:t>2019/12/12</a:t>
+              <a:t>2019/12/13</a:t>
             </a:fld>
             <a:endParaRPr kumimoji="1" lang="zh-CN" altLang="en-US"/>
           </a:p>
@@ -2387,7 +2396,7 @@
           <a:p>
             <a:fld id="{011911AC-1C3E-2447-89CA-EF94E8A5EC2C}" type="datetimeFigureOut">
               <a:rPr kumimoji="1" lang="zh-CN" altLang="en-US" smtClean="0"/>
-              <a:t>2019/12/12</a:t>
+              <a:t>2019/12/13</a:t>
             </a:fld>
             <a:endParaRPr kumimoji="1" lang="zh-CN" altLang="en-US"/>
           </a:p>
@@ -2675,7 +2684,7 @@
           <a:p>
             <a:fld id="{011911AC-1C3E-2447-89CA-EF94E8A5EC2C}" type="datetimeFigureOut">
               <a:rPr kumimoji="1" lang="zh-CN" altLang="en-US" smtClean="0"/>
-              <a:t>2019/12/12</a:t>
+              <a:t>2019/12/13</a:t>
             </a:fld>
             <a:endParaRPr kumimoji="1" lang="zh-CN" altLang="en-US"/>
           </a:p>
@@ -2916,7 +2925,7 @@
           <a:p>
             <a:fld id="{011911AC-1C3E-2447-89CA-EF94E8A5EC2C}" type="datetimeFigureOut">
               <a:rPr kumimoji="1" lang="zh-CN" altLang="en-US" smtClean="0"/>
-              <a:t>2019/12/12</a:t>
+              <a:t>2019/12/13</a:t>
             </a:fld>
             <a:endParaRPr kumimoji="1" lang="zh-CN" altLang="en-US"/>
           </a:p>
@@ -3701,13 +3710,8 @@
             </a:r>
             <a:r>
               <a:rPr kumimoji="1" lang="zh-CN" altLang="en-US" dirty="0"/>
-              <a:t>等语言的</a:t>
-            </a:r>
-            <a:r>
-              <a:rPr kumimoji="1" lang="zh-CN" altLang="en-US"/>
-              <a:t>编译器！</a:t>
-            </a:r>
-            <a:endParaRPr kumimoji="1" lang="zh-CN" altLang="en-US" dirty="0"/>
+              <a:t>等语言的编译器！</a:t>
+            </a:r>
           </a:p>
         </p:txBody>
       </p:sp>
@@ -3762,35 +3766,45 @@
           <a:bodyPr/>
           <a:lstStyle/>
           <a:p>
-            <a:endParaRPr kumimoji="1" lang="zh-CN" altLang="en-US"/>
-          </a:p>
-        </p:txBody>
-      </p:sp>
-      <p:sp>
-        <p:nvSpPr>
-          <p:cNvPr id="3" name="内容占位符 2">
-            <a:extLst>
-              <a:ext uri="{FF2B5EF4-FFF2-40B4-BE49-F238E27FC236}">
-                <a16:creationId xmlns:a16="http://schemas.microsoft.com/office/drawing/2014/main" id="{ADBA84AA-514D-0348-A377-F97FCA0177BB}"/>
-              </a:ext>
-            </a:extLst>
-          </p:cNvPr>
-          <p:cNvSpPr>
-            <a:spLocks noGrp="1"/>
-          </p:cNvSpPr>
+            <a:r>
+              <a:rPr kumimoji="1" lang="zh-CN" altLang="en-US" dirty="0"/>
+              <a:t>编写文法规则文件</a:t>
+            </a:r>
+          </a:p>
+        </p:txBody>
+      </p:sp>
+      <p:pic>
+        <p:nvPicPr>
+          <p:cNvPr id="4" name="内容占位符 3">
+            <a:extLst>
+              <a:ext uri="{FF2B5EF4-FFF2-40B4-BE49-F238E27FC236}">
+                <a16:creationId xmlns:a16="http://schemas.microsoft.com/office/drawing/2014/main" id="{FA2D16BD-C0BD-3A4B-A75D-CEF30BEC99B6}"/>
+              </a:ext>
+            </a:extLst>
+          </p:cNvPr>
+          <p:cNvPicPr>
+            <a:picLocks noGrp="1" noChangeAspect="1"/>
+          </p:cNvPicPr>
           <p:nvPr>
             <p:ph idx="1"/>
           </p:nvPr>
-        </p:nvSpPr>
-        <p:spPr/>
-        <p:txBody>
-          <a:bodyPr/>
-          <a:lstStyle/>
-          <a:p>
-            <a:endParaRPr kumimoji="1" lang="zh-CN" altLang="en-US"/>
-          </a:p>
-        </p:txBody>
-      </p:sp>
+        </p:nvPicPr>
+        <p:blipFill>
+          <a:blip r:embed="rId2"/>
+          <a:stretch>
+            <a:fillRect/>
+          </a:stretch>
+        </p:blipFill>
+        <p:spPr>
+          <a:xfrm>
+            <a:off x="838200" y="1467293"/>
+            <a:ext cx="5058432" cy="5135526"/>
+          </a:xfrm>
+          <a:prstGeom prst="rect">
+            <a:avLst/>
+          </a:prstGeom>
+        </p:spPr>
+      </p:pic>
     </p:spTree>
     <p:extLst>
       <p:ext uri="{BB962C8B-B14F-4D97-AF65-F5344CB8AC3E}">
@@ -3842,7 +3856,10 @@
           <a:bodyPr/>
           <a:lstStyle/>
           <a:p>
-            <a:endParaRPr kumimoji="1" lang="zh-CN" altLang="en-US"/>
+            <a:r>
+              <a:rPr kumimoji="1" lang="zh-CN" altLang="en-US" dirty="0"/>
+              <a:t>编译文法规则</a:t>
+            </a:r>
           </a:p>
         </p:txBody>
       </p:sp>
@@ -3867,7 +3884,88 @@
           <a:bodyPr/>
           <a:lstStyle/>
           <a:p>
-            <a:endParaRPr kumimoji="1" lang="zh-CN" altLang="en-US"/>
+            <a:r>
+              <a:rPr kumimoji="1" lang="en-US" altLang="zh-CN" dirty="0" err="1"/>
+              <a:t>antlr</a:t>
+            </a:r>
+            <a:r>
+              <a:rPr kumimoji="1" lang="en-US" altLang="zh-CN" dirty="0"/>
+              <a:t> -visitor -</a:t>
+            </a:r>
+            <a:r>
+              <a:rPr kumimoji="1" lang="en-US" altLang="zh-CN" dirty="0" err="1"/>
+              <a:t>Dlanguage</a:t>
+            </a:r>
+            <a:r>
+              <a:rPr kumimoji="1" lang="en-US" altLang="zh-CN" dirty="0"/>
+              <a:t>=JavaScript Calc.g4</a:t>
+            </a:r>
+          </a:p>
+          <a:p>
+            <a:r>
+              <a:rPr kumimoji="1" lang="zh-CN" altLang="en-US" dirty="0"/>
+              <a:t>生成文件</a:t>
+            </a:r>
+            <a:endParaRPr kumimoji="1" lang="en-US" altLang="zh-CN" dirty="0"/>
+          </a:p>
+          <a:p>
+            <a:r>
+              <a:rPr kumimoji="1" lang="en-US" altLang="zh-CN" dirty="0" err="1"/>
+              <a:t>CalcLexer.js</a:t>
+            </a:r>
+            <a:r>
+              <a:rPr kumimoji="1" lang="en-US" altLang="zh-CN" dirty="0"/>
+              <a:t>:</a:t>
+            </a:r>
+            <a:r>
+              <a:rPr kumimoji="1" lang="zh-CN" altLang="en-US" dirty="0"/>
+              <a:t> 词法分析器</a:t>
+            </a:r>
+            <a:endParaRPr kumimoji="1" lang="en-US" altLang="zh-CN" dirty="0"/>
+          </a:p>
+          <a:p>
+            <a:r>
+              <a:rPr kumimoji="1" lang="en-US" altLang="zh-CN" dirty="0" err="1"/>
+              <a:t>CalcParser.js</a:t>
+            </a:r>
+            <a:r>
+              <a:rPr kumimoji="1" lang="en-US" altLang="zh-CN" dirty="0"/>
+              <a:t>:</a:t>
+            </a:r>
+            <a:r>
+              <a:rPr kumimoji="1" lang="zh-CN" altLang="en-US" dirty="0"/>
+              <a:t> 语法分析器</a:t>
+            </a:r>
+            <a:endParaRPr kumimoji="1" lang="en-US" altLang="zh-CN" dirty="0"/>
+          </a:p>
+          <a:p>
+            <a:r>
+              <a:rPr kumimoji="1" lang="en-US" altLang="zh-CN" dirty="0" err="1"/>
+              <a:t>CalcListener.js</a:t>
+            </a:r>
+            <a:r>
+              <a:rPr kumimoji="1" lang="en-US" altLang="zh-CN" dirty="0"/>
+              <a:t>:</a:t>
+            </a:r>
+            <a:r>
+              <a:rPr kumimoji="1" lang="zh-CN" altLang="en-US" dirty="0"/>
+              <a:t> 监听器</a:t>
+            </a:r>
+            <a:endParaRPr kumimoji="1" lang="en-US" altLang="zh-CN" dirty="0"/>
+          </a:p>
+          <a:p>
+            <a:r>
+              <a:rPr kumimoji="1" lang="en-US" altLang="zh-CN" dirty="0" err="1"/>
+              <a:t>CalcVisitor.js</a:t>
+            </a:r>
+            <a:r>
+              <a:rPr kumimoji="1" lang="en-US" altLang="zh-CN" dirty="0"/>
+              <a:t>:</a:t>
+            </a:r>
+            <a:r>
+              <a:rPr kumimoji="1" lang="zh-CN" altLang="en-US" dirty="0"/>
+              <a:t> 访问器</a:t>
+            </a:r>
           </a:p>
         </p:txBody>
       </p:sp>
@@ -3875,6 +3973,485 @@
     <p:extLst>
       <p:ext uri="{BB962C8B-B14F-4D97-AF65-F5344CB8AC3E}">
         <p14:creationId xmlns:p14="http://schemas.microsoft.com/office/powerpoint/2010/main" val="535072323"/>
+      </p:ext>
+    </p:extLst>
+  </p:cSld>
+  <p:clrMapOvr>
+    <a:masterClrMapping/>
+  </p:clrMapOvr>
+</p:sld>
+</file>
+
+<file path=ppt/slides/slide14.xml><?xml version="1.0" encoding="utf-8"?>
+<p:sld xmlns:a="http://schemas.openxmlformats.org/drawingml/2006/main" xmlns:r="http://schemas.openxmlformats.org/officeDocument/2006/relationships" xmlns:p="http://schemas.openxmlformats.org/presentationml/2006/main">
+  <p:cSld>
+    <p:spTree>
+      <p:nvGrpSpPr>
+        <p:cNvPr id="1" name=""/>
+        <p:cNvGrpSpPr/>
+        <p:nvPr/>
+      </p:nvGrpSpPr>
+      <p:grpSpPr>
+        <a:xfrm>
+          <a:off x="0" y="0"/>
+          <a:ext cx="0" cy="0"/>
+          <a:chOff x="0" y="0"/>
+          <a:chExt cx="0" cy="0"/>
+        </a:xfrm>
+      </p:grpSpPr>
+      <p:sp>
+        <p:nvSpPr>
+          <p:cNvPr id="2" name="标题 1">
+            <a:extLst>
+              <a:ext uri="{FF2B5EF4-FFF2-40B4-BE49-F238E27FC236}">
+                <a16:creationId xmlns:a16="http://schemas.microsoft.com/office/drawing/2014/main" id="{DB928A34-3CB9-4148-9A99-56C33B61F1FB}"/>
+              </a:ext>
+            </a:extLst>
+          </p:cNvPr>
+          <p:cNvSpPr>
+            <a:spLocks noGrp="1"/>
+          </p:cNvSpPr>
+          <p:nvPr>
+            <p:ph type="title"/>
+          </p:nvPr>
+        </p:nvSpPr>
+        <p:spPr/>
+        <p:txBody>
+          <a:bodyPr/>
+          <a:lstStyle/>
+          <a:p>
+            <a:r>
+              <a:rPr kumimoji="1" lang="zh-CN" altLang="en-US" dirty="0"/>
+              <a:t>继承访问器实现自定义访问器</a:t>
+            </a:r>
+          </a:p>
+        </p:txBody>
+      </p:sp>
+      <p:sp>
+        <p:nvSpPr>
+          <p:cNvPr id="3" name="内容占位符 2">
+            <a:extLst>
+              <a:ext uri="{FF2B5EF4-FFF2-40B4-BE49-F238E27FC236}">
+                <a16:creationId xmlns:a16="http://schemas.microsoft.com/office/drawing/2014/main" id="{E3D7CCA8-27FA-C34B-A485-BA7C14B209CB}"/>
+              </a:ext>
+            </a:extLst>
+          </p:cNvPr>
+          <p:cNvSpPr>
+            <a:spLocks noGrp="1"/>
+          </p:cNvSpPr>
+          <p:nvPr>
+            <p:ph idx="1"/>
+          </p:nvPr>
+        </p:nvSpPr>
+        <p:spPr/>
+        <p:txBody>
+          <a:bodyPr/>
+          <a:lstStyle/>
+          <a:p>
+            <a:r>
+              <a:rPr lang="en-US" altLang="zh-CN" dirty="0">
+                <a:hlinkClick r:id="rId2"/>
+              </a:rPr>
+              <a:t>https://github.com/caijw/ASimpleCompiler/blob/master/src/calculatorv3/EvalVisitor.js</a:t>
+            </a:r>
+            <a:endParaRPr kumimoji="1" lang="zh-CN" altLang="en-US" dirty="0"/>
+          </a:p>
+        </p:txBody>
+      </p:sp>
+    </p:spTree>
+    <p:extLst>
+      <p:ext uri="{BB962C8B-B14F-4D97-AF65-F5344CB8AC3E}">
+        <p14:creationId xmlns:p14="http://schemas.microsoft.com/office/powerpoint/2010/main" val="1374160293"/>
+      </p:ext>
+    </p:extLst>
+  </p:cSld>
+  <p:clrMapOvr>
+    <a:masterClrMapping/>
+  </p:clrMapOvr>
+</p:sld>
+</file>
+
+<file path=ppt/slides/slide15.xml><?xml version="1.0" encoding="utf-8"?>
+<p:sld xmlns:a="http://schemas.openxmlformats.org/drawingml/2006/main" xmlns:r="http://schemas.openxmlformats.org/officeDocument/2006/relationships" xmlns:p="http://schemas.openxmlformats.org/presentationml/2006/main">
+  <p:cSld>
+    <p:spTree>
+      <p:nvGrpSpPr>
+        <p:cNvPr id="1" name=""/>
+        <p:cNvGrpSpPr/>
+        <p:nvPr/>
+      </p:nvGrpSpPr>
+      <p:grpSpPr>
+        <a:xfrm>
+          <a:off x="0" y="0"/>
+          <a:ext cx="0" cy="0"/>
+          <a:chOff x="0" y="0"/>
+          <a:chExt cx="0" cy="0"/>
+        </a:xfrm>
+      </p:grpSpPr>
+      <p:sp>
+        <p:nvSpPr>
+          <p:cNvPr id="2" name="标题 1">
+            <a:extLst>
+              <a:ext uri="{FF2B5EF4-FFF2-40B4-BE49-F238E27FC236}">
+                <a16:creationId xmlns:a16="http://schemas.microsoft.com/office/drawing/2014/main" id="{F07B2516-7B6C-B546-81A6-63F7B8795AAE}"/>
+              </a:ext>
+            </a:extLst>
+          </p:cNvPr>
+          <p:cNvSpPr>
+            <a:spLocks noGrp="1"/>
+          </p:cNvSpPr>
+          <p:nvPr>
+            <p:ph type="title"/>
+          </p:nvPr>
+        </p:nvSpPr>
+        <p:spPr/>
+        <p:txBody>
+          <a:bodyPr/>
+          <a:lstStyle/>
+          <a:p>
+            <a:r>
+              <a:rPr kumimoji="1" lang="zh-CN" altLang="en-US" dirty="0"/>
+              <a:t>一个计算器实现</a:t>
+            </a:r>
+          </a:p>
+        </p:txBody>
+      </p:sp>
+      <p:sp>
+        <p:nvSpPr>
+          <p:cNvPr id="3" name="内容占位符 2">
+            <a:extLst>
+              <a:ext uri="{FF2B5EF4-FFF2-40B4-BE49-F238E27FC236}">
+                <a16:creationId xmlns:a16="http://schemas.microsoft.com/office/drawing/2014/main" id="{2C74815A-27B9-FA4A-98C8-3112450EC9EF}"/>
+              </a:ext>
+            </a:extLst>
+          </p:cNvPr>
+          <p:cNvSpPr>
+            <a:spLocks noGrp="1"/>
+          </p:cNvSpPr>
+          <p:nvPr>
+            <p:ph idx="1"/>
+          </p:nvPr>
+        </p:nvSpPr>
+        <p:spPr/>
+        <p:txBody>
+          <a:bodyPr/>
+          <a:lstStyle/>
+          <a:p>
+            <a:pPr marL="0" indent="0">
+              <a:buNone/>
+            </a:pPr>
+            <a:r>
+              <a:rPr lang="en-US" altLang="zh-CN" dirty="0">
+                <a:hlinkClick r:id="rId2"/>
+              </a:rPr>
+              <a:t>https://github.com/caijw/ASimpleCompiler/blob/master/src/calculatorv3/cli.js</a:t>
+            </a:r>
+            <a:endParaRPr lang="en-US" altLang="zh-CN" dirty="0"/>
+          </a:p>
+          <a:p>
+            <a:pPr marL="0" indent="0">
+              <a:buNone/>
+            </a:pPr>
+            <a:endParaRPr kumimoji="1" lang="zh-CN" altLang="en-US" dirty="0"/>
+          </a:p>
+        </p:txBody>
+      </p:sp>
+      <p:sp>
+        <p:nvSpPr>
+          <p:cNvPr id="5" name="文本框 4">
+            <a:extLst>
+              <a:ext uri="{FF2B5EF4-FFF2-40B4-BE49-F238E27FC236}">
+                <a16:creationId xmlns:a16="http://schemas.microsoft.com/office/drawing/2014/main" id="{8C428F20-CC5F-C44C-A50A-7C3AC98AFB3C}"/>
+              </a:ext>
+            </a:extLst>
+          </p:cNvPr>
+          <p:cNvSpPr txBox="1"/>
+          <p:nvPr/>
+        </p:nvSpPr>
+        <p:spPr>
+          <a:xfrm>
+            <a:off x="5829300" y="4271963"/>
+            <a:ext cx="184731" cy="369332"/>
+          </a:xfrm>
+          <a:prstGeom prst="rect">
+            <a:avLst/>
+          </a:prstGeom>
+          <a:noFill/>
+        </p:spPr>
+        <p:txBody>
+          <a:bodyPr wrap="none" rtlCol="0">
+            <a:spAutoFit/>
+          </a:bodyPr>
+          <a:lstStyle/>
+          <a:p>
+            <a:endParaRPr kumimoji="1" lang="zh-CN" altLang="en-US" dirty="0"/>
+          </a:p>
+        </p:txBody>
+      </p:sp>
+      <p:pic>
+        <p:nvPicPr>
+          <p:cNvPr id="6" name="图片 5">
+            <a:extLst>
+              <a:ext uri="{FF2B5EF4-FFF2-40B4-BE49-F238E27FC236}">
+                <a16:creationId xmlns:a16="http://schemas.microsoft.com/office/drawing/2014/main" id="{D18BFACD-C164-3E4D-9694-BC4A23932985}"/>
+              </a:ext>
+            </a:extLst>
+          </p:cNvPr>
+          <p:cNvPicPr>
+            <a:picLocks noChangeAspect="1"/>
+          </p:cNvPicPr>
+          <p:nvPr/>
+        </p:nvPicPr>
+        <p:blipFill>
+          <a:blip r:embed="rId3"/>
+          <a:stretch>
+            <a:fillRect/>
+          </a:stretch>
+        </p:blipFill>
+        <p:spPr>
+          <a:xfrm>
+            <a:off x="3357562" y="2444929"/>
+            <a:ext cx="5799137" cy="4392732"/>
+          </a:xfrm>
+          <a:prstGeom prst="rect">
+            <a:avLst/>
+          </a:prstGeom>
+        </p:spPr>
+      </p:pic>
+    </p:spTree>
+    <p:extLst>
+      <p:ext uri="{BB962C8B-B14F-4D97-AF65-F5344CB8AC3E}">
+        <p14:creationId xmlns:p14="http://schemas.microsoft.com/office/powerpoint/2010/main" val="3460124546"/>
+      </p:ext>
+    </p:extLst>
+  </p:cSld>
+  <p:clrMapOvr>
+    <a:masterClrMapping/>
+  </p:clrMapOvr>
+</p:sld>
+</file>
+
+<file path=ppt/slides/slide16.xml><?xml version="1.0" encoding="utf-8"?>
+<p:sld xmlns:a="http://schemas.openxmlformats.org/drawingml/2006/main" xmlns:r="http://schemas.openxmlformats.org/officeDocument/2006/relationships" xmlns:p="http://schemas.openxmlformats.org/presentationml/2006/main">
+  <p:cSld>
+    <p:spTree>
+      <p:nvGrpSpPr>
+        <p:cNvPr id="1" name=""/>
+        <p:cNvGrpSpPr/>
+        <p:nvPr/>
+      </p:nvGrpSpPr>
+      <p:grpSpPr>
+        <a:xfrm>
+          <a:off x="0" y="0"/>
+          <a:ext cx="0" cy="0"/>
+          <a:chOff x="0" y="0"/>
+          <a:chExt cx="0" cy="0"/>
+        </a:xfrm>
+      </p:grpSpPr>
+      <p:sp>
+        <p:nvSpPr>
+          <p:cNvPr id="2" name="标题 1">
+            <a:extLst>
+              <a:ext uri="{FF2B5EF4-FFF2-40B4-BE49-F238E27FC236}">
+                <a16:creationId xmlns:a16="http://schemas.microsoft.com/office/drawing/2014/main" id="{721390CC-0B80-BE42-9322-7B285B4B2EA0}"/>
+              </a:ext>
+            </a:extLst>
+          </p:cNvPr>
+          <p:cNvSpPr>
+            <a:spLocks noGrp="1"/>
+          </p:cNvSpPr>
+          <p:nvPr>
+            <p:ph type="title"/>
+          </p:nvPr>
+        </p:nvSpPr>
+        <p:spPr/>
+        <p:txBody>
+          <a:bodyPr/>
+          <a:lstStyle/>
+          <a:p>
+            <a:r>
+              <a:rPr kumimoji="1" lang="zh-CN" altLang="en-US" dirty="0"/>
+              <a:t>数据绑定编译器的实现</a:t>
+            </a:r>
+          </a:p>
+        </p:txBody>
+      </p:sp>
+      <p:sp>
+        <p:nvSpPr>
+          <p:cNvPr id="3" name="内容占位符 2">
+            <a:extLst>
+              <a:ext uri="{FF2B5EF4-FFF2-40B4-BE49-F238E27FC236}">
+                <a16:creationId xmlns:a16="http://schemas.microsoft.com/office/drawing/2014/main" id="{87761278-0CE8-DD48-AAAF-9F5F961DE4A2}"/>
+              </a:ext>
+            </a:extLst>
+          </p:cNvPr>
+          <p:cNvSpPr>
+            <a:spLocks noGrp="1"/>
+          </p:cNvSpPr>
+          <p:nvPr>
+            <p:ph idx="1"/>
+          </p:nvPr>
+        </p:nvSpPr>
+        <p:spPr/>
+        <p:txBody>
+          <a:bodyPr/>
+          <a:lstStyle/>
+          <a:p>
+            <a:r>
+              <a:rPr kumimoji="1" lang="zh-CN" altLang="en-US" dirty="0"/>
+              <a:t>文法规则文件编译生成词法分析器和语法分析器，</a:t>
+            </a:r>
+            <a:r>
+              <a:rPr kumimoji="1" lang="en-US" altLang="zh-CN" dirty="0"/>
+              <a:t>DOING</a:t>
+            </a:r>
+          </a:p>
+          <a:p>
+            <a:r>
+              <a:rPr kumimoji="1" lang="zh-CN" altLang="en-US" dirty="0"/>
+              <a:t>语法错误的处理 </a:t>
+            </a:r>
+            <a:r>
+              <a:rPr kumimoji="1" lang="en-US" altLang="zh-CN" dirty="0"/>
+              <a:t>TODO</a:t>
+            </a:r>
+          </a:p>
+          <a:p>
+            <a:r>
+              <a:rPr kumimoji="1" lang="zh-CN" altLang="en-US" dirty="0"/>
+              <a:t>语法树的解析 </a:t>
+            </a:r>
+            <a:r>
+              <a:rPr kumimoji="1" lang="en-US" altLang="zh-CN"/>
+              <a:t>TODO</a:t>
+            </a:r>
+            <a:endParaRPr kumimoji="1" lang="zh-CN" altLang="en-US" dirty="0"/>
+          </a:p>
+        </p:txBody>
+      </p:sp>
+    </p:spTree>
+    <p:extLst>
+      <p:ext uri="{BB962C8B-B14F-4D97-AF65-F5344CB8AC3E}">
+        <p14:creationId xmlns:p14="http://schemas.microsoft.com/office/powerpoint/2010/main" val="2118175889"/>
+      </p:ext>
+    </p:extLst>
+  </p:cSld>
+  <p:clrMapOvr>
+    <a:masterClrMapping/>
+  </p:clrMapOvr>
+</p:sld>
+</file>
+
+<file path=ppt/slides/slide17.xml><?xml version="1.0" encoding="utf-8"?>
+<p:sld xmlns:a="http://schemas.openxmlformats.org/drawingml/2006/main" xmlns:r="http://schemas.openxmlformats.org/officeDocument/2006/relationships" xmlns:p="http://schemas.openxmlformats.org/presentationml/2006/main">
+  <p:cSld>
+    <p:spTree>
+      <p:nvGrpSpPr>
+        <p:cNvPr id="1" name=""/>
+        <p:cNvGrpSpPr/>
+        <p:nvPr/>
+      </p:nvGrpSpPr>
+      <p:grpSpPr>
+        <a:xfrm>
+          <a:off x="0" y="0"/>
+          <a:ext cx="0" cy="0"/>
+          <a:chOff x="0" y="0"/>
+          <a:chExt cx="0" cy="0"/>
+        </a:xfrm>
+      </p:grpSpPr>
+      <p:sp>
+        <p:nvSpPr>
+          <p:cNvPr id="2" name="标题 1">
+            <a:extLst>
+              <a:ext uri="{FF2B5EF4-FFF2-40B4-BE49-F238E27FC236}">
+                <a16:creationId xmlns:a16="http://schemas.microsoft.com/office/drawing/2014/main" id="{766D9498-C876-304B-94D3-D3D4A94DBD57}"/>
+              </a:ext>
+            </a:extLst>
+          </p:cNvPr>
+          <p:cNvSpPr>
+            <a:spLocks noGrp="1"/>
+          </p:cNvSpPr>
+          <p:nvPr>
+            <p:ph type="title"/>
+          </p:nvPr>
+        </p:nvSpPr>
+        <p:spPr/>
+        <p:txBody>
+          <a:bodyPr/>
+          <a:lstStyle/>
+          <a:p>
+            <a:r>
+              <a:rPr kumimoji="1" lang="zh-CN" altLang="en-US" dirty="0"/>
+              <a:t>文法规则文件</a:t>
+            </a:r>
+          </a:p>
+        </p:txBody>
+      </p:sp>
+      <p:sp>
+        <p:nvSpPr>
+          <p:cNvPr id="3" name="内容占位符 2">
+            <a:extLst>
+              <a:ext uri="{FF2B5EF4-FFF2-40B4-BE49-F238E27FC236}">
+                <a16:creationId xmlns:a16="http://schemas.microsoft.com/office/drawing/2014/main" id="{C4F35787-F4D4-644F-AAD3-BC72C3F98469}"/>
+              </a:ext>
+            </a:extLst>
+          </p:cNvPr>
+          <p:cNvSpPr>
+            <a:spLocks noGrp="1"/>
+          </p:cNvSpPr>
+          <p:nvPr>
+            <p:ph idx="1"/>
+          </p:nvPr>
+        </p:nvSpPr>
+        <p:spPr/>
+        <p:txBody>
+          <a:bodyPr/>
+          <a:lstStyle/>
+          <a:p>
+            <a:r>
+              <a:rPr kumimoji="1" lang="zh-CN" altLang="en-US" dirty="0"/>
+              <a:t>借鉴</a:t>
+            </a:r>
+            <a:r>
+              <a:rPr kumimoji="1" lang="en-US" altLang="zh-CN" dirty="0" err="1"/>
+              <a:t>javascript</a:t>
+            </a:r>
+            <a:r>
+              <a:rPr kumimoji="1" lang="zh-CN" altLang="en-US" dirty="0"/>
+              <a:t>的成熟的文法规则文件</a:t>
+            </a:r>
+            <a:endParaRPr kumimoji="1" lang="en-US" altLang="zh-CN" dirty="0"/>
+          </a:p>
+          <a:p>
+            <a:r>
+              <a:rPr lang="en-US" altLang="zh-CN" dirty="0">
+                <a:hlinkClick r:id="rId2"/>
+              </a:rPr>
+              <a:t>https://github.com/antlr/grammars-v4/blob/master/javascript/JavaScriptLexer.g4</a:t>
+            </a:r>
+            <a:endParaRPr kumimoji="1" lang="en-US" altLang="zh-CN" dirty="0"/>
+          </a:p>
+          <a:p>
+            <a:r>
+              <a:rPr lang="en-US" altLang="zh-CN" dirty="0">
+                <a:hlinkClick r:id="rId3"/>
+              </a:rPr>
+              <a:t>https://github.com/antlr/grammars-v4/blob/master/javascript/JavaScriptParser.g4</a:t>
+            </a:r>
+            <a:endParaRPr lang="en-US" altLang="zh-CN" dirty="0"/>
+          </a:p>
+          <a:p>
+            <a:r>
+              <a:rPr kumimoji="1" lang="zh-CN" altLang="en-US" dirty="0"/>
+              <a:t>目前验证该规则文件生成的编译器会死循环，待解决。</a:t>
+            </a:r>
+          </a:p>
+        </p:txBody>
+      </p:sp>
+    </p:spTree>
+    <p:extLst>
+      <p:ext uri="{BB962C8B-B14F-4D97-AF65-F5344CB8AC3E}">
+        <p14:creationId xmlns:p14="http://schemas.microsoft.com/office/powerpoint/2010/main" val="2354272857"/>
       </p:ext>
     </p:extLst>
   </p:cSld>
@@ -4798,7 +5375,13 @@
               </a:rPr>
               <a:t>https://github.com/caijw/ASimpleCompiler/blob/master/src/calculator/Syntax.ts</a:t>
             </a:r>
-            <a:endParaRPr kumimoji="1" lang="zh-CN" altLang="en-US" dirty="0"/>
+            <a:endParaRPr lang="en-US" altLang="zh-CN" dirty="0"/>
+          </a:p>
+          <a:p>
+            <a:r>
+              <a:rPr kumimoji="1" lang="zh-CN" altLang="en-US" dirty="0"/>
+              <a:t>需要解决左递归、运算符优先级、运算符结合性问题</a:t>
+            </a:r>
           </a:p>
         </p:txBody>
       </p:sp>

--- a/doc/talk.pptx
+++ b/doc/talk.pptx
@@ -4322,7 +4322,7 @@
               <a:t>语法树的解析 </a:t>
             </a:r>
             <a:r>
-              <a:rPr kumimoji="1" lang="en-US" altLang="zh-CN"/>
+              <a:rPr kumimoji="1" lang="en-US" altLang="zh-CN" dirty="0"/>
               <a:t>TODO</a:t>
             </a:r>
             <a:endParaRPr kumimoji="1" lang="zh-CN" altLang="en-US" dirty="0"/>
@@ -4881,7 +4881,15 @@
             </a:pPr>
             <a:r>
               <a:rPr kumimoji="1" lang="zh-CN" altLang="en-US" dirty="0"/>
-              <a:t>目前使用了第一种方案，第二种方案不会采用，可以研究第三方案</a:t>
+              <a:t>目前使用了第一种方案，第二种方案不会</a:t>
+            </a:r>
+            <a:r>
+              <a:rPr kumimoji="1" lang="zh-CN" altLang="en-US"/>
+              <a:t>采用，正在研究</a:t>
+            </a:r>
+            <a:r>
+              <a:rPr kumimoji="1" lang="zh-CN" altLang="en-US" dirty="0"/>
+              <a:t>第三方案</a:t>
             </a:r>
           </a:p>
         </p:txBody>
